--- a/docs/lecture_slides/Week 12/Week12_Lecture23_Slides_3_29_2024.pptx
+++ b/docs/lecture_slides/Week 12/Week12_Lecture23_Slides_3_29_2024.pptx
@@ -3379,8 +3379,8 @@
               <a:lstStyle/>
               <a:p>
                 <a:r>
-                  <a:rPr lang="en-US" dirty="0"/>
-                  <a:t>Lecture 22</a:t>
+                  <a:rPr lang="en-US"/>
+                  <a:t>Lecture 23</a:t>
                 </a:r>
                 <a:br>
                   <a:rPr lang="en-US" dirty="0"/>
@@ -10421,8 +10421,8 @@
           </a:p>
         </p:txBody>
       </p:sp>
-      <mc:AlternateContent xmlns:mc="http://schemas.openxmlformats.org/markup-compatibility/2006">
-        <mc:Choice xmlns:a14="http://schemas.microsoft.com/office/drawing/2010/main" Requires="a14">
+      <mc:AlternateContent xmlns:mc="http://schemas.openxmlformats.org/markup-compatibility/2006" xmlns:a14="http://schemas.microsoft.com/office/drawing/2010/main">
+        <mc:Choice Requires="a14">
           <p:sp>
             <p:nvSpPr>
               <p:cNvPr id="3" name="Content Placeholder 2">
@@ -10466,7 +10466,7 @@
             </p:txBody>
           </p:sp>
         </mc:Choice>
-        <mc:Fallback>
+        <mc:Fallback xmlns="">
           <p:sp>
             <p:nvSpPr>
               <p:cNvPr id="3" name="Content Placeholder 2">
@@ -10800,8 +10800,8 @@
           </a:p>
         </p:txBody>
       </p:sp>
-      <mc:AlternateContent xmlns:mc="http://schemas.openxmlformats.org/markup-compatibility/2006">
-        <mc:Choice xmlns:a14="http://schemas.microsoft.com/office/drawing/2010/main" Requires="a14">
+      <mc:AlternateContent xmlns:mc="http://schemas.openxmlformats.org/markup-compatibility/2006" xmlns:a14="http://schemas.microsoft.com/office/drawing/2010/main">
+        <mc:Choice Requires="a14">
           <p:sp>
             <p:nvSpPr>
               <p:cNvPr id="3" name="Content Placeholder 2">
@@ -11034,7 +11034,7 @@
             </p:txBody>
           </p:sp>
         </mc:Choice>
-        <mc:Fallback>
+        <mc:Fallback xmlns="">
           <p:sp>
             <p:nvSpPr>
               <p:cNvPr id="3" name="Content Placeholder 2">
